--- a/docs/features/presentations/Sunbird Saral_Overview_Architecture_EKStep.pptx
+++ b/docs/features/presentations/Sunbird Saral_Overview_Architecture_EKStep.pptx
@@ -11,14 +11,14 @@
     <p:sldId id="256" r:id="rId3"/>
     <p:sldId id="257" r:id="rId5"/>
     <p:sldId id="258" r:id="rId6"/>
-    <p:sldId id="271" r:id="rId7"/>
-    <p:sldId id="272" r:id="rId8"/>
-    <p:sldId id="259" r:id="rId9"/>
-    <p:sldId id="260" r:id="rId10"/>
-    <p:sldId id="261" r:id="rId11"/>
-    <p:sldId id="262" r:id="rId12"/>
-    <p:sldId id="263" r:id="rId13"/>
-    <p:sldId id="264" r:id="rId14"/>
+    <p:sldId id="264" r:id="rId7"/>
+    <p:sldId id="271" r:id="rId8"/>
+    <p:sldId id="272" r:id="rId9"/>
+    <p:sldId id="259" r:id="rId10"/>
+    <p:sldId id="260" r:id="rId11"/>
+    <p:sldId id="261" r:id="rId12"/>
+    <p:sldId id="262" r:id="rId13"/>
+    <p:sldId id="263" r:id="rId14"/>
     <p:sldId id="265" r:id="rId15"/>
     <p:sldId id="266" r:id="rId16"/>
     <p:sldId id="267" r:id="rId17"/>
@@ -1668,7 +1668,7 @@
   <p:cSld>
     <p:spTree>
       <p:nvGrpSpPr>
-        <p:cNvPr id="1" name="Shape 89"/>
+        <p:cNvPr id="1" name="Shape 136"/>
         <p:cNvGrpSpPr/>
         <p:nvPr/>
       </p:nvGrpSpPr>
@@ -1682,7 +1682,7 @@
       </p:grpSpPr>
       <p:sp>
         <p:nvSpPr>
-          <p:cNvPr id="90" name="Google Shape;90;g10c6added4c_0_1:notes"/>
+          <p:cNvPr id="137" name="Google Shape;137;g1f709349dac_0_0:notes"/>
           <p:cNvSpPr>
             <a:spLocks noGrp="1" noRot="1" noChangeAspect="1"/>
           </p:cNvSpPr>
@@ -1723,7 +1723,7 @@
       </p:sp>
       <p:sp>
         <p:nvSpPr>
-          <p:cNvPr id="91" name="Google Shape;91;g10c6added4c_0_1:notes"/>
+          <p:cNvPr id="138" name="Google Shape;138;g1f709349dac_0_0:notes"/>
           <p:cNvSpPr txBox="1">
             <a:spLocks noGrp="1"/>
           </p:cNvSpPr>
@@ -1767,6 +1767,109 @@
 </file>
 
 <file path=ppt/notesSlides/notesSlide5.xml><?xml version="1.0" encoding="utf-8"?>
+<p:notes xmlns:a="http://schemas.openxmlformats.org/drawingml/2006/main" xmlns:r="http://schemas.openxmlformats.org/officeDocument/2006/relationships" xmlns:p="http://schemas.openxmlformats.org/presentationml/2006/main" showMasterPhAnim="0" showMasterSp="0">
+  <p:cSld>
+    <p:spTree>
+      <p:nvGrpSpPr>
+        <p:cNvPr id="1" name="Shape 89"/>
+        <p:cNvGrpSpPr/>
+        <p:nvPr/>
+      </p:nvGrpSpPr>
+      <p:grpSpPr>
+        <a:xfrm>
+          <a:off x="0" y="0"/>
+          <a:ext cx="0" cy="0"/>
+          <a:chOff x="0" y="0"/>
+          <a:chExt cx="0" cy="0"/>
+        </a:xfrm>
+      </p:grpSpPr>
+      <p:sp>
+        <p:nvSpPr>
+          <p:cNvPr id="90" name="Google Shape;90;g10c6added4c_0_1:notes"/>
+          <p:cNvSpPr>
+            <a:spLocks noGrp="1" noRot="1" noChangeAspect="1"/>
+          </p:cNvSpPr>
+          <p:nvPr>
+            <p:ph type="sldImg" idx="2"/>
+          </p:nvPr>
+        </p:nvSpPr>
+        <p:spPr>
+          <a:xfrm>
+            <a:off x="381000" y="685800"/>
+            <a:ext cx="6096000" cy="3429000"/>
+          </a:xfrm>
+          <a:custGeom>
+            <a:avLst/>
+            <a:gdLst/>
+            <a:ahLst/>
+            <a:cxnLst/>
+            <a:rect l="l" t="t" r="r" b="b"/>
+            <a:pathLst>
+              <a:path w="120000" h="120000" extrusionOk="0">
+                <a:moveTo>
+                  <a:pt x="0" y="0"/>
+                </a:moveTo>
+                <a:lnTo>
+                  <a:pt x="120000" y="0"/>
+                </a:lnTo>
+                <a:lnTo>
+                  <a:pt x="120000" y="120000"/>
+                </a:lnTo>
+                <a:lnTo>
+                  <a:pt x="0" y="120000"/>
+                </a:lnTo>
+                <a:close/>
+              </a:path>
+            </a:pathLst>
+          </a:custGeom>
+        </p:spPr>
+      </p:sp>
+      <p:sp>
+        <p:nvSpPr>
+          <p:cNvPr id="91" name="Google Shape;91;g10c6added4c_0_1:notes"/>
+          <p:cNvSpPr txBox="1">
+            <a:spLocks noGrp="1"/>
+          </p:cNvSpPr>
+          <p:nvPr>
+            <p:ph type="body" idx="1"/>
+          </p:nvPr>
+        </p:nvSpPr>
+        <p:spPr>
+          <a:xfrm>
+            <a:off x="685800" y="4343400"/>
+            <a:ext cx="5486400" cy="4114800"/>
+          </a:xfrm>
+          <a:prstGeom prst="rect">
+            <a:avLst/>
+          </a:prstGeom>
+        </p:spPr>
+        <p:txBody>
+          <a:bodyPr spcFirstLastPara="1" wrap="square" lIns="91425" tIns="91425" rIns="91425" bIns="91425" anchor="t" anchorCtr="0">
+            <a:noAutofit/>
+          </a:bodyPr>
+          <a:lstStyle/>
+          <a:p>
+            <a:pPr marL="0" lvl="0" indent="0" algn="l" rtl="0">
+              <a:spcBef>
+                <a:spcPts val="0"/>
+              </a:spcBef>
+              <a:spcAft>
+                <a:spcPts val="0"/>
+              </a:spcAft>
+              <a:buNone/>
+            </a:pPr>
+          </a:p>
+        </p:txBody>
+      </p:sp>
+    </p:spTree>
+  </p:cSld>
+  <p:clrMapOvr>
+    <a:masterClrMapping/>
+  </p:clrMapOvr>
+</p:notes>
+</file>
+
+<file path=ppt/notesSlides/notesSlide6.xml><?xml version="1.0" encoding="utf-8"?>
 <p:notes xmlns:a="http://schemas.openxmlformats.org/drawingml/2006/main" xmlns:r="http://schemas.openxmlformats.org/officeDocument/2006/relationships" xmlns:p="http://schemas.openxmlformats.org/presentationml/2006/main" showMasterPhAnim="0" showMasterSp="0">
   <p:cSld>
     <p:spTree>
@@ -1869,7 +1972,7 @@
 </p:notes>
 </file>
 
-<file path=ppt/notesSlides/notesSlide6.xml><?xml version="1.0" encoding="utf-8"?>
+<file path=ppt/notesSlides/notesSlide7.xml><?xml version="1.0" encoding="utf-8"?>
 <p:notes xmlns:a="http://schemas.openxmlformats.org/drawingml/2006/main" xmlns:r="http://schemas.openxmlformats.org/officeDocument/2006/relationships" xmlns:p="http://schemas.openxmlformats.org/presentationml/2006/main" showMasterPhAnim="0" showMasterSp="0">
   <p:cSld>
     <p:spTree>
@@ -1972,7 +2075,7 @@
 </p:notes>
 </file>
 
-<file path=ppt/notesSlides/notesSlide7.xml><?xml version="1.0" encoding="utf-8"?>
+<file path=ppt/notesSlides/notesSlide8.xml><?xml version="1.0" encoding="utf-8"?>
 <p:notes xmlns:a="http://schemas.openxmlformats.org/drawingml/2006/main" xmlns:r="http://schemas.openxmlformats.org/officeDocument/2006/relationships" xmlns:p="http://schemas.openxmlformats.org/presentationml/2006/main" showMasterPhAnim="0" showMasterSp="0">
   <p:cSld>
     <p:spTree>
@@ -2075,7 +2178,7 @@
 </p:notes>
 </file>
 
-<file path=ppt/notesSlides/notesSlide8.xml><?xml version="1.0" encoding="utf-8"?>
+<file path=ppt/notesSlides/notesSlide9.xml><?xml version="1.0" encoding="utf-8"?>
 <p:notes xmlns:a="http://schemas.openxmlformats.org/drawingml/2006/main" xmlns:r="http://schemas.openxmlformats.org/officeDocument/2006/relationships" xmlns:p="http://schemas.openxmlformats.org/presentationml/2006/main" showMasterPhAnim="0" showMasterSp="0">
   <p:cSld>
     <p:spTree>
@@ -2136,109 +2239,6 @@
       <p:sp>
         <p:nvSpPr>
           <p:cNvPr id="132" name="Google Shape;132;g1bd5a89130f_0_0:notes"/>
-          <p:cNvSpPr txBox="1">
-            <a:spLocks noGrp="1"/>
-          </p:cNvSpPr>
-          <p:nvPr>
-            <p:ph type="body" idx="1"/>
-          </p:nvPr>
-        </p:nvSpPr>
-        <p:spPr>
-          <a:xfrm>
-            <a:off x="685800" y="4343400"/>
-            <a:ext cx="5486400" cy="4114800"/>
-          </a:xfrm>
-          <a:prstGeom prst="rect">
-            <a:avLst/>
-          </a:prstGeom>
-        </p:spPr>
-        <p:txBody>
-          <a:bodyPr spcFirstLastPara="1" wrap="square" lIns="91425" tIns="91425" rIns="91425" bIns="91425" anchor="t" anchorCtr="0">
-            <a:noAutofit/>
-          </a:bodyPr>
-          <a:lstStyle/>
-          <a:p>
-            <a:pPr marL="0" lvl="0" indent="0" algn="l" rtl="0">
-              <a:spcBef>
-                <a:spcPts val="0"/>
-              </a:spcBef>
-              <a:spcAft>
-                <a:spcPts val="0"/>
-              </a:spcAft>
-              <a:buNone/>
-            </a:pPr>
-          </a:p>
-        </p:txBody>
-      </p:sp>
-    </p:spTree>
-  </p:cSld>
-  <p:clrMapOvr>
-    <a:masterClrMapping/>
-  </p:clrMapOvr>
-</p:notes>
-</file>
-
-<file path=ppt/notesSlides/notesSlide9.xml><?xml version="1.0" encoding="utf-8"?>
-<p:notes xmlns:a="http://schemas.openxmlformats.org/drawingml/2006/main" xmlns:r="http://schemas.openxmlformats.org/officeDocument/2006/relationships" xmlns:p="http://schemas.openxmlformats.org/presentationml/2006/main" showMasterPhAnim="0" showMasterSp="0">
-  <p:cSld>
-    <p:spTree>
-      <p:nvGrpSpPr>
-        <p:cNvPr id="1" name="Shape 136"/>
-        <p:cNvGrpSpPr/>
-        <p:nvPr/>
-      </p:nvGrpSpPr>
-      <p:grpSpPr>
-        <a:xfrm>
-          <a:off x="0" y="0"/>
-          <a:ext cx="0" cy="0"/>
-          <a:chOff x="0" y="0"/>
-          <a:chExt cx="0" cy="0"/>
-        </a:xfrm>
-      </p:grpSpPr>
-      <p:sp>
-        <p:nvSpPr>
-          <p:cNvPr id="137" name="Google Shape;137;g1f709349dac_0_0:notes"/>
-          <p:cNvSpPr>
-            <a:spLocks noGrp="1" noRot="1" noChangeAspect="1"/>
-          </p:cNvSpPr>
-          <p:nvPr>
-            <p:ph type="sldImg" idx="2"/>
-          </p:nvPr>
-        </p:nvSpPr>
-        <p:spPr>
-          <a:xfrm>
-            <a:off x="381000" y="685800"/>
-            <a:ext cx="6096000" cy="3429000"/>
-          </a:xfrm>
-          <a:custGeom>
-            <a:avLst/>
-            <a:gdLst/>
-            <a:ahLst/>
-            <a:cxnLst/>
-            <a:rect l="l" t="t" r="r" b="b"/>
-            <a:pathLst>
-              <a:path w="120000" h="120000" extrusionOk="0">
-                <a:moveTo>
-                  <a:pt x="0" y="0"/>
-                </a:moveTo>
-                <a:lnTo>
-                  <a:pt x="120000" y="0"/>
-                </a:lnTo>
-                <a:lnTo>
-                  <a:pt x="120000" y="120000"/>
-                </a:lnTo>
-                <a:lnTo>
-                  <a:pt x="0" y="120000"/>
-                </a:lnTo>
-                <a:close/>
-              </a:path>
-            </a:pathLst>
-          </a:custGeom>
-        </p:spPr>
-      </p:sp>
-      <p:sp>
-        <p:nvSpPr>
-          <p:cNvPr id="138" name="Google Shape;138;g1f709349dac_0_0:notes"/>
           <p:cNvSpPr txBox="1">
             <a:spLocks noGrp="1"/>
           </p:cNvSpPr>
@@ -8232,6 +8232,438 @@
   <p:cSld>
     <p:spTree>
       <p:nvGrpSpPr>
+        <p:cNvPr id="1" name="Shape 115"/>
+        <p:cNvGrpSpPr/>
+        <p:nvPr/>
+      </p:nvGrpSpPr>
+      <p:grpSpPr>
+        <a:xfrm>
+          <a:off x="0" y="0"/>
+          <a:ext cx="0" cy="0"/>
+          <a:chOff x="0" y="0"/>
+          <a:chExt cx="0" cy="0"/>
+        </a:xfrm>
+      </p:grpSpPr>
+      <p:sp>
+        <p:nvSpPr>
+          <p:cNvPr id="116" name="Google Shape;116;p20"/>
+          <p:cNvSpPr txBox="1">
+            <a:spLocks noGrp="1"/>
+          </p:cNvSpPr>
+          <p:nvPr>
+            <p:ph type="title"/>
+          </p:nvPr>
+        </p:nvSpPr>
+        <p:spPr>
+          <a:xfrm>
+            <a:off x="387900" y="380125"/>
+            <a:ext cx="8520600" cy="572700"/>
+          </a:xfrm>
+          <a:prstGeom prst="rect">
+            <a:avLst/>
+          </a:prstGeom>
+        </p:spPr>
+        <p:txBody>
+          <a:bodyPr spcFirstLastPara="1" wrap="square" lIns="91425" tIns="91425" rIns="91425" bIns="91425" anchor="t" anchorCtr="0">
+            <a:noAutofit/>
+          </a:bodyPr>
+          <a:lstStyle/>
+          <a:p>
+            <a:pPr marL="0" lvl="0" indent="0" algn="l" rtl="0">
+              <a:spcBef>
+                <a:spcPts val="0"/>
+              </a:spcBef>
+              <a:spcAft>
+                <a:spcPts val="0"/>
+              </a:spcAft>
+              <a:buNone/>
+            </a:pPr>
+            <a:r>
+              <a:rPr lang="en-GB"/>
+              <a:t>Tech Stack</a:t>
+            </a:r>
+            <a:endParaRPr lang="en-GB"/>
+          </a:p>
+        </p:txBody>
+      </p:sp>
+      <p:pic>
+        <p:nvPicPr>
+          <p:cNvPr id="117" name="Google Shape;117;p20"/>
+          <p:cNvPicPr preferRelativeResize="0"/>
+          <p:nvPr/>
+        </p:nvPicPr>
+        <p:blipFill>
+          <a:blip r:embed="rId1"/>
+          <a:stretch>
+            <a:fillRect/>
+          </a:stretch>
+        </p:blipFill>
+        <p:spPr>
+          <a:xfrm>
+            <a:off x="521150" y="1318938"/>
+            <a:ext cx="1110100" cy="864025"/>
+          </a:xfrm>
+          <a:prstGeom prst="rect">
+            <a:avLst/>
+          </a:prstGeom>
+          <a:noFill/>
+          <a:ln>
+            <a:noFill/>
+          </a:ln>
+        </p:spPr>
+      </p:pic>
+      <p:pic>
+        <p:nvPicPr>
+          <p:cNvPr id="118" name="Google Shape;118;p20"/>
+          <p:cNvPicPr preferRelativeResize="0"/>
+          <p:nvPr/>
+        </p:nvPicPr>
+        <p:blipFill>
+          <a:blip r:embed="rId2"/>
+          <a:stretch>
+            <a:fillRect/>
+          </a:stretch>
+        </p:blipFill>
+        <p:spPr>
+          <a:xfrm>
+            <a:off x="1852650" y="1356350"/>
+            <a:ext cx="1167525" cy="752550"/>
+          </a:xfrm>
+          <a:prstGeom prst="rect">
+            <a:avLst/>
+          </a:prstGeom>
+          <a:noFill/>
+          <a:ln>
+            <a:noFill/>
+          </a:ln>
+        </p:spPr>
+      </p:pic>
+      <p:pic>
+        <p:nvPicPr>
+          <p:cNvPr id="119" name="Google Shape;119;p20"/>
+          <p:cNvPicPr preferRelativeResize="0"/>
+          <p:nvPr/>
+        </p:nvPicPr>
+        <p:blipFill>
+          <a:blip r:embed="rId3"/>
+          <a:stretch>
+            <a:fillRect/>
+          </a:stretch>
+        </p:blipFill>
+        <p:spPr>
+          <a:xfrm>
+            <a:off x="3172575" y="1392500"/>
+            <a:ext cx="989750" cy="683025"/>
+          </a:xfrm>
+          <a:prstGeom prst="rect">
+            <a:avLst/>
+          </a:prstGeom>
+          <a:noFill/>
+          <a:ln>
+            <a:noFill/>
+          </a:ln>
+        </p:spPr>
+      </p:pic>
+      <p:pic>
+        <p:nvPicPr>
+          <p:cNvPr id="120" name="Google Shape;120;p20"/>
+          <p:cNvPicPr preferRelativeResize="0"/>
+          <p:nvPr/>
+        </p:nvPicPr>
+        <p:blipFill>
+          <a:blip r:embed="rId4"/>
+          <a:stretch>
+            <a:fillRect/>
+          </a:stretch>
+        </p:blipFill>
+        <p:spPr>
+          <a:xfrm>
+            <a:off x="4452725" y="1392500"/>
+            <a:ext cx="882400" cy="683025"/>
+          </a:xfrm>
+          <a:prstGeom prst="rect">
+            <a:avLst/>
+          </a:prstGeom>
+          <a:noFill/>
+          <a:ln>
+            <a:noFill/>
+          </a:ln>
+        </p:spPr>
+      </p:pic>
+      <p:pic>
+        <p:nvPicPr>
+          <p:cNvPr id="121" name="Google Shape;121;p20"/>
+          <p:cNvPicPr preferRelativeResize="0"/>
+          <p:nvPr/>
+        </p:nvPicPr>
+        <p:blipFill rotWithShape="1">
+          <a:blip r:embed="rId5"/>
+          <a:srcRect t="27643" b="25374"/>
+          <a:stretch>
+            <a:fillRect/>
+          </a:stretch>
+        </p:blipFill>
+        <p:spPr>
+          <a:xfrm>
+            <a:off x="654175" y="3919600"/>
+            <a:ext cx="844026" cy="439250"/>
+          </a:xfrm>
+          <a:prstGeom prst="rect">
+            <a:avLst/>
+          </a:prstGeom>
+          <a:noFill/>
+          <a:ln>
+            <a:noFill/>
+          </a:ln>
+        </p:spPr>
+      </p:pic>
+      <p:pic>
+        <p:nvPicPr>
+          <p:cNvPr id="122" name="Google Shape;122;p20"/>
+          <p:cNvPicPr preferRelativeResize="0"/>
+          <p:nvPr/>
+        </p:nvPicPr>
+        <p:blipFill>
+          <a:blip r:embed="rId6"/>
+          <a:stretch>
+            <a:fillRect/>
+          </a:stretch>
+        </p:blipFill>
+        <p:spPr>
+          <a:xfrm>
+            <a:off x="1852650" y="3745750"/>
+            <a:ext cx="1110100" cy="683025"/>
+          </a:xfrm>
+          <a:prstGeom prst="rect">
+            <a:avLst/>
+          </a:prstGeom>
+          <a:noFill/>
+          <a:ln>
+            <a:noFill/>
+          </a:ln>
+        </p:spPr>
+      </p:pic>
+      <p:pic>
+        <p:nvPicPr>
+          <p:cNvPr id="123" name="Google Shape;123;p20"/>
+          <p:cNvPicPr preferRelativeResize="0"/>
+          <p:nvPr/>
+        </p:nvPicPr>
+        <p:blipFill>
+          <a:blip r:embed="rId7"/>
+          <a:stretch>
+            <a:fillRect/>
+          </a:stretch>
+        </p:blipFill>
+        <p:spPr>
+          <a:xfrm>
+            <a:off x="3371875" y="3729125"/>
+            <a:ext cx="989750" cy="752550"/>
+          </a:xfrm>
+          <a:prstGeom prst="rect">
+            <a:avLst/>
+          </a:prstGeom>
+          <a:noFill/>
+          <a:ln>
+            <a:noFill/>
+          </a:ln>
+        </p:spPr>
+      </p:pic>
+      <p:pic>
+        <p:nvPicPr>
+          <p:cNvPr id="124" name="Google Shape;124;p20"/>
+          <p:cNvPicPr preferRelativeResize="0"/>
+          <p:nvPr/>
+        </p:nvPicPr>
+        <p:blipFill>
+          <a:blip r:embed="rId8"/>
+          <a:stretch>
+            <a:fillRect/>
+          </a:stretch>
+        </p:blipFill>
+        <p:spPr>
+          <a:xfrm>
+            <a:off x="5625525" y="1392500"/>
+            <a:ext cx="1242700" cy="752550"/>
+          </a:xfrm>
+          <a:prstGeom prst="rect">
+            <a:avLst/>
+          </a:prstGeom>
+          <a:noFill/>
+          <a:ln>
+            <a:noFill/>
+          </a:ln>
+        </p:spPr>
+      </p:pic>
+      <p:pic>
+        <p:nvPicPr>
+          <p:cNvPr id="125" name="Google Shape;125;p20"/>
+          <p:cNvPicPr preferRelativeResize="0"/>
+          <p:nvPr/>
+        </p:nvPicPr>
+        <p:blipFill>
+          <a:blip r:embed="rId9"/>
+          <a:stretch>
+            <a:fillRect/>
+          </a:stretch>
+        </p:blipFill>
+        <p:spPr>
+          <a:xfrm>
+            <a:off x="7089625" y="1392500"/>
+            <a:ext cx="943750" cy="790450"/>
+          </a:xfrm>
+          <a:prstGeom prst="rect">
+            <a:avLst/>
+          </a:prstGeom>
+          <a:noFill/>
+          <a:ln>
+            <a:noFill/>
+          </a:ln>
+        </p:spPr>
+      </p:pic>
+      <p:pic>
+        <p:nvPicPr>
+          <p:cNvPr id="126" name="Google Shape;126;p20"/>
+          <p:cNvPicPr preferRelativeResize="0"/>
+          <p:nvPr/>
+        </p:nvPicPr>
+        <p:blipFill>
+          <a:blip r:embed="rId10"/>
+          <a:stretch>
+            <a:fillRect/>
+          </a:stretch>
+        </p:blipFill>
+        <p:spPr>
+          <a:xfrm>
+            <a:off x="521150" y="2419675"/>
+            <a:ext cx="1203575" cy="752550"/>
+          </a:xfrm>
+          <a:prstGeom prst="rect">
+            <a:avLst/>
+          </a:prstGeom>
+          <a:noFill/>
+          <a:ln>
+            <a:noFill/>
+          </a:ln>
+        </p:spPr>
+      </p:pic>
+      <p:pic>
+        <p:nvPicPr>
+          <p:cNvPr id="127" name="Google Shape;127;p20"/>
+          <p:cNvPicPr preferRelativeResize="0"/>
+          <p:nvPr/>
+        </p:nvPicPr>
+        <p:blipFill>
+          <a:blip r:embed="rId11"/>
+          <a:stretch>
+            <a:fillRect/>
+          </a:stretch>
+        </p:blipFill>
+        <p:spPr>
+          <a:xfrm>
+            <a:off x="1881363" y="2261300"/>
+            <a:ext cx="1110100" cy="979475"/>
+          </a:xfrm>
+          <a:prstGeom prst="rect">
+            <a:avLst/>
+          </a:prstGeom>
+          <a:noFill/>
+          <a:ln>
+            <a:noFill/>
+          </a:ln>
+        </p:spPr>
+      </p:pic>
+      <p:sp>
+        <p:nvSpPr>
+          <p:cNvPr id="128" name="Google Shape;128;p20"/>
+          <p:cNvSpPr txBox="1"/>
+          <p:nvPr/>
+        </p:nvSpPr>
+        <p:spPr>
+          <a:xfrm>
+            <a:off x="1850955" y="3080243"/>
+            <a:ext cx="1170900" cy="393600"/>
+          </a:xfrm>
+          <a:prstGeom prst="rect">
+            <a:avLst/>
+          </a:prstGeom>
+          <a:noFill/>
+          <a:ln>
+            <a:noFill/>
+          </a:ln>
+        </p:spPr>
+        <p:txBody>
+          <a:bodyPr spcFirstLastPara="1" wrap="square" lIns="91425" tIns="91425" rIns="91425" bIns="91425" anchor="ctr" anchorCtr="0">
+            <a:noAutofit/>
+          </a:bodyPr>
+          <a:lstStyle/>
+          <a:p>
+            <a:pPr marL="0" lvl="0" indent="0" algn="ctr" rtl="0">
+              <a:spcBef>
+                <a:spcPts val="0"/>
+              </a:spcBef>
+              <a:spcAft>
+                <a:spcPts val="0"/>
+              </a:spcAft>
+              <a:buNone/>
+            </a:pPr>
+            <a:r>
+              <a:rPr lang="en-GB" sz="800" b="1">
+                <a:latin typeface="Montserrat"/>
+                <a:ea typeface="Montserrat"/>
+                <a:cs typeface="Montserrat"/>
+                <a:sym typeface="Montserrat"/>
+              </a:rPr>
+              <a:t>ResNet</a:t>
+            </a:r>
+            <a:endParaRPr sz="800" b="1">
+              <a:latin typeface="Montserrat"/>
+              <a:ea typeface="Montserrat"/>
+              <a:cs typeface="Montserrat"/>
+              <a:sym typeface="Montserrat"/>
+            </a:endParaRPr>
+          </a:p>
+        </p:txBody>
+      </p:sp>
+      <p:pic>
+        <p:nvPicPr>
+          <p:cNvPr id="129" name="Google Shape;129;p20"/>
+          <p:cNvPicPr preferRelativeResize="0"/>
+          <p:nvPr/>
+        </p:nvPicPr>
+        <p:blipFill>
+          <a:blip r:embed="rId12"/>
+          <a:stretch>
+            <a:fillRect/>
+          </a:stretch>
+        </p:blipFill>
+        <p:spPr>
+          <a:xfrm>
+            <a:off x="3190875" y="2261300"/>
+            <a:ext cx="989750" cy="979475"/>
+          </a:xfrm>
+          <a:prstGeom prst="rect">
+            <a:avLst/>
+          </a:prstGeom>
+          <a:noFill/>
+          <a:ln>
+            <a:noFill/>
+          </a:ln>
+        </p:spPr>
+      </p:pic>
+    </p:spTree>
+  </p:cSld>
+  <p:clrMapOvr>
+    <a:masterClrMapping/>
+  </p:clrMapOvr>
+</p:sld>
+</file>
+
+<file path=ppt/slides/slide11.xml><?xml version="1.0" encoding="utf-8"?>
+<p:sld xmlns:a="http://schemas.openxmlformats.org/drawingml/2006/main" xmlns:r="http://schemas.openxmlformats.org/officeDocument/2006/relationships" xmlns:p="http://schemas.openxmlformats.org/presentationml/2006/main">
+  <p:cSld>
+    <p:spTree>
+      <p:nvGrpSpPr>
         <p:cNvPr id="1" name="Shape 133"/>
         <p:cNvGrpSpPr/>
         <p:nvPr/>
@@ -8360,611 +8792,6 @@
               <a:t>Handwritten Alphanumeric Block Letters</a:t>
             </a:r>
             <a:endParaRPr b="1"/>
-          </a:p>
-        </p:txBody>
-      </p:sp>
-    </p:spTree>
-  </p:cSld>
-  <p:clrMapOvr>
-    <a:masterClrMapping/>
-  </p:clrMapOvr>
-</p:sld>
-</file>
-
-<file path=ppt/slides/slide11.xml><?xml version="1.0" encoding="utf-8"?>
-<p:sld xmlns:a="http://schemas.openxmlformats.org/drawingml/2006/main" xmlns:r="http://schemas.openxmlformats.org/officeDocument/2006/relationships" xmlns:p="http://schemas.openxmlformats.org/presentationml/2006/main">
-  <p:cSld>
-    <p:spTree>
-      <p:nvGrpSpPr>
-        <p:cNvPr id="1" name="Shape 139"/>
-        <p:cNvGrpSpPr/>
-        <p:nvPr/>
-      </p:nvGrpSpPr>
-      <p:grpSpPr>
-        <a:xfrm>
-          <a:off x="0" y="0"/>
-          <a:ext cx="0" cy="0"/>
-          <a:chOff x="0" y="0"/>
-          <a:chExt cx="0" cy="0"/>
-        </a:xfrm>
-      </p:grpSpPr>
-      <p:sp>
-        <p:nvSpPr>
-          <p:cNvPr id="140" name="Google Shape;140;p22"/>
-          <p:cNvSpPr txBox="1">
-            <a:spLocks noGrp="1"/>
-          </p:cNvSpPr>
-          <p:nvPr>
-            <p:ph type="title"/>
-          </p:nvPr>
-        </p:nvSpPr>
-        <p:spPr>
-          <a:xfrm>
-            <a:off x="387900" y="380125"/>
-            <a:ext cx="8520600" cy="572700"/>
-          </a:xfrm>
-          <a:prstGeom prst="rect">
-            <a:avLst/>
-          </a:prstGeom>
-        </p:spPr>
-        <p:txBody>
-          <a:bodyPr spcFirstLastPara="1" wrap="square" lIns="91425" tIns="91425" rIns="91425" bIns="91425" anchor="t" anchorCtr="0">
-            <a:noAutofit/>
-          </a:bodyPr>
-          <a:lstStyle/>
-          <a:p>
-            <a:pPr marL="0" lvl="0" indent="0" algn="l" rtl="0">
-              <a:spcBef>
-                <a:spcPts val="0"/>
-              </a:spcBef>
-              <a:spcAft>
-                <a:spcPts val="0"/>
-              </a:spcAft>
-              <a:buNone/>
-            </a:pPr>
-            <a:r>
-              <a:rPr lang="en-GB"/>
-              <a:t>Performance Benchmarking</a:t>
-            </a:r>
-            <a:endParaRPr lang="en-GB"/>
-          </a:p>
-        </p:txBody>
-      </p:sp>
-      <p:sp>
-        <p:nvSpPr>
-          <p:cNvPr id="141" name="Google Shape;141;p22"/>
-          <p:cNvSpPr/>
-          <p:nvPr/>
-        </p:nvSpPr>
-        <p:spPr>
-          <a:xfrm>
-            <a:off x="728200" y="1525425"/>
-            <a:ext cx="2261400" cy="2437500"/>
-          </a:xfrm>
-          <a:prstGeom prst="roundRect">
-            <a:avLst>
-              <a:gd name="adj" fmla="val 16667"/>
-            </a:avLst>
-          </a:prstGeom>
-          <a:solidFill>
-            <a:srgbClr val="B6D7A8"/>
-          </a:solidFill>
-          <a:ln w="9525" cap="flat" cmpd="sng">
-            <a:solidFill>
-              <a:schemeClr val="dk2"/>
-            </a:solidFill>
-            <a:prstDash val="solid"/>
-            <a:round/>
-            <a:headEnd type="none" w="sm" len="sm"/>
-            <a:tailEnd type="none" w="sm" len="sm"/>
-          </a:ln>
-        </p:spPr>
-        <p:txBody>
-          <a:bodyPr spcFirstLastPara="1" wrap="square" lIns="91425" tIns="91425" rIns="91425" bIns="91425" anchor="ctr" anchorCtr="0">
-            <a:noAutofit/>
-          </a:bodyPr>
-          <a:lstStyle/>
-          <a:p>
-            <a:pPr marL="457200" lvl="0" indent="-292100" algn="l" rtl="0">
-              <a:spcBef>
-                <a:spcPts val="0"/>
-              </a:spcBef>
-              <a:spcAft>
-                <a:spcPts val="0"/>
-              </a:spcAft>
-              <a:buSzPts val="1000"/>
-              <a:buChar char="●"/>
-            </a:pPr>
-            <a:r>
-              <a:rPr lang="en-GB" sz="1000"/>
-              <a:t>Profiling and fine tuning the code and configurations</a:t>
-            </a:r>
-            <a:endParaRPr sz="1000"/>
-          </a:p>
-          <a:p>
-            <a:pPr marL="457200" lvl="0" indent="-292100" algn="l" rtl="0">
-              <a:spcBef>
-                <a:spcPts val="0"/>
-              </a:spcBef>
-              <a:spcAft>
-                <a:spcPts val="0"/>
-              </a:spcAft>
-              <a:buSzPts val="1000"/>
-              <a:buChar char="●"/>
-            </a:pPr>
-            <a:r>
-              <a:rPr lang="en-GB" sz="1000"/>
-              <a:t>Simulate the state data</a:t>
-            </a:r>
-            <a:endParaRPr sz="1000"/>
-          </a:p>
-          <a:p>
-            <a:pPr marL="457200" lvl="0" indent="-292100" algn="l" rtl="0">
-              <a:spcBef>
-                <a:spcPts val="0"/>
-              </a:spcBef>
-              <a:spcAft>
-                <a:spcPts val="0"/>
-              </a:spcAft>
-              <a:buSzPts val="1000"/>
-              <a:buChar char="●"/>
-            </a:pPr>
-            <a:r>
-              <a:rPr lang="en-GB" sz="1000"/>
-              <a:t>Setup Load Testing Tool with scripting</a:t>
-            </a:r>
-            <a:endParaRPr sz="1000"/>
-          </a:p>
-          <a:p>
-            <a:pPr marL="457200" lvl="0" indent="-292100" algn="l" rtl="0">
-              <a:spcBef>
-                <a:spcPts val="0"/>
-              </a:spcBef>
-              <a:spcAft>
-                <a:spcPts val="0"/>
-              </a:spcAft>
-              <a:buSzPts val="1000"/>
-              <a:buChar char="●"/>
-            </a:pPr>
-            <a:r>
-              <a:rPr lang="en-GB" sz="1000"/>
-              <a:t>Setup monitoring tools</a:t>
-            </a:r>
-            <a:endParaRPr sz="1000"/>
-          </a:p>
-          <a:p>
-            <a:pPr marL="457200" lvl="0" indent="-292100" algn="l" rtl="0">
-              <a:spcBef>
-                <a:spcPts val="0"/>
-              </a:spcBef>
-              <a:spcAft>
-                <a:spcPts val="0"/>
-              </a:spcAft>
-              <a:buSzPts val="1000"/>
-              <a:buChar char="●"/>
-            </a:pPr>
-            <a:r>
-              <a:rPr lang="en-GB" sz="1000"/>
-              <a:t>Load test with minimal users say </a:t>
-            </a:r>
-            <a:r>
-              <a:rPr lang="en-GB" sz="1000" b="1"/>
-              <a:t>50 , 100</a:t>
-            </a:r>
-            <a:r>
-              <a:rPr lang="en-GB" sz="1000"/>
-              <a:t> on Dev as dry run.</a:t>
-            </a:r>
-            <a:endParaRPr sz="1000"/>
-          </a:p>
-          <a:p>
-            <a:pPr marL="457200" lvl="0" indent="-292100" algn="l" rtl="0">
-              <a:spcBef>
-                <a:spcPts val="0"/>
-              </a:spcBef>
-              <a:spcAft>
-                <a:spcPts val="0"/>
-              </a:spcAft>
-              <a:buSzPts val="1000"/>
-              <a:buChar char="●"/>
-            </a:pPr>
-            <a:r>
-              <a:rPr lang="en-GB" sz="1000"/>
-              <a:t>Identify bottlenecks and finetune the code and configuration</a:t>
-            </a:r>
-            <a:endParaRPr sz="1000"/>
-          </a:p>
-          <a:p>
-            <a:pPr marL="457200" lvl="0" indent="-292100" algn="l" rtl="0">
-              <a:spcBef>
-                <a:spcPts val="0"/>
-              </a:spcBef>
-              <a:spcAft>
-                <a:spcPts val="0"/>
-              </a:spcAft>
-              <a:buSzPts val="1000"/>
-              <a:buChar char="●"/>
-            </a:pPr>
-            <a:r>
-              <a:rPr lang="en-GB" sz="1000"/>
-              <a:t>Publish the Metrics</a:t>
-            </a:r>
-            <a:endParaRPr sz="1000"/>
-          </a:p>
-        </p:txBody>
-      </p:sp>
-      <p:sp>
-        <p:nvSpPr>
-          <p:cNvPr id="142" name="Google Shape;142;p22"/>
-          <p:cNvSpPr txBox="1"/>
-          <p:nvPr/>
-        </p:nvSpPr>
-        <p:spPr>
-          <a:xfrm>
-            <a:off x="889200" y="1057825"/>
-            <a:ext cx="1862700" cy="400200"/>
-          </a:xfrm>
-          <a:prstGeom prst="rect">
-            <a:avLst/>
-          </a:prstGeom>
-          <a:noFill/>
-          <a:ln>
-            <a:noFill/>
-          </a:ln>
-        </p:spPr>
-        <p:txBody>
-          <a:bodyPr spcFirstLastPara="1" wrap="square" lIns="91425" tIns="91425" rIns="91425" bIns="91425" anchor="t" anchorCtr="0">
-            <a:spAutoFit/>
-          </a:bodyPr>
-          <a:lstStyle/>
-          <a:p>
-            <a:pPr marL="0" lvl="0" indent="0" algn="ctr" rtl="0">
-              <a:spcBef>
-                <a:spcPts val="0"/>
-              </a:spcBef>
-              <a:spcAft>
-                <a:spcPts val="0"/>
-              </a:spcAft>
-              <a:buNone/>
-            </a:pPr>
-            <a:r>
-              <a:rPr lang="en-GB">
-                <a:latin typeface="Lato"/>
-                <a:ea typeface="Lato"/>
-                <a:cs typeface="Lato"/>
-                <a:sym typeface="Lato"/>
-              </a:rPr>
-              <a:t>Phase I</a:t>
-            </a:r>
-            <a:endParaRPr>
-              <a:latin typeface="Lato"/>
-              <a:ea typeface="Lato"/>
-              <a:cs typeface="Lato"/>
-              <a:sym typeface="Lato"/>
-            </a:endParaRPr>
-          </a:p>
-        </p:txBody>
-      </p:sp>
-      <p:sp>
-        <p:nvSpPr>
-          <p:cNvPr id="143" name="Google Shape;143;p22"/>
-          <p:cNvSpPr/>
-          <p:nvPr/>
-        </p:nvSpPr>
-        <p:spPr>
-          <a:xfrm>
-            <a:off x="3816450" y="1517750"/>
-            <a:ext cx="2261400" cy="2437500"/>
-          </a:xfrm>
-          <a:prstGeom prst="roundRect">
-            <a:avLst>
-              <a:gd name="adj" fmla="val 16667"/>
-            </a:avLst>
-          </a:prstGeom>
-          <a:solidFill>
-            <a:srgbClr val="B6D7A8"/>
-          </a:solidFill>
-          <a:ln w="9525" cap="flat" cmpd="sng">
-            <a:solidFill>
-              <a:schemeClr val="dk2"/>
-            </a:solidFill>
-            <a:prstDash val="solid"/>
-            <a:round/>
-            <a:headEnd type="none" w="sm" len="sm"/>
-            <a:tailEnd type="none" w="sm" len="sm"/>
-          </a:ln>
-        </p:spPr>
-        <p:txBody>
-          <a:bodyPr spcFirstLastPara="1" wrap="square" lIns="91425" tIns="91425" rIns="91425" bIns="91425" anchor="ctr" anchorCtr="0">
-            <a:noAutofit/>
-          </a:bodyPr>
-          <a:lstStyle/>
-          <a:p>
-            <a:pPr marL="457200" lvl="0" indent="-292100" algn="l" rtl="0">
-              <a:spcBef>
-                <a:spcPts val="0"/>
-              </a:spcBef>
-              <a:spcAft>
-                <a:spcPts val="0"/>
-              </a:spcAft>
-              <a:buSzPts val="1000"/>
-              <a:buChar char="●"/>
-            </a:pPr>
-            <a:r>
-              <a:rPr lang="en-GB" sz="1000"/>
-              <a:t>Setup Cloud Environment</a:t>
-            </a:r>
-            <a:endParaRPr sz="1000"/>
-          </a:p>
-          <a:p>
-            <a:pPr marL="457200" lvl="0" indent="-292100" algn="l" rtl="0">
-              <a:spcBef>
-                <a:spcPts val="0"/>
-              </a:spcBef>
-              <a:spcAft>
-                <a:spcPts val="0"/>
-              </a:spcAft>
-              <a:buSzPts val="1000"/>
-              <a:buChar char="●"/>
-            </a:pPr>
-            <a:r>
-              <a:rPr lang="en-GB" sz="1000"/>
-              <a:t>Run Load Testing Scripts for </a:t>
-            </a:r>
-            <a:r>
-              <a:rPr lang="en-GB" sz="1000" b="1"/>
-              <a:t>10,000</a:t>
-            </a:r>
-            <a:r>
-              <a:rPr lang="en-GB" sz="1000"/>
-              <a:t>(?) Users</a:t>
-            </a:r>
-            <a:endParaRPr sz="1000"/>
-          </a:p>
-          <a:p>
-            <a:pPr marL="457200" lvl="0" indent="-292100" algn="l" rtl="0">
-              <a:spcBef>
-                <a:spcPts val="0"/>
-              </a:spcBef>
-              <a:spcAft>
-                <a:spcPts val="0"/>
-              </a:spcAft>
-              <a:buSzPts val="1000"/>
-              <a:buChar char="●"/>
-            </a:pPr>
-            <a:r>
-              <a:rPr lang="en-GB" sz="1000"/>
-              <a:t>Finetune the configurations , code to scale</a:t>
-            </a:r>
-            <a:endParaRPr sz="1000"/>
-          </a:p>
-          <a:p>
-            <a:pPr marL="457200" lvl="0" indent="-292100" algn="l" rtl="0">
-              <a:spcBef>
-                <a:spcPts val="0"/>
-              </a:spcBef>
-              <a:spcAft>
-                <a:spcPts val="0"/>
-              </a:spcAft>
-              <a:buSzPts val="1000"/>
-              <a:buChar char="●"/>
-            </a:pPr>
-            <a:r>
-              <a:rPr lang="en-GB" sz="1000"/>
-              <a:t>Publish the Metrics</a:t>
-            </a:r>
-            <a:endParaRPr sz="1000"/>
-          </a:p>
-        </p:txBody>
-      </p:sp>
-      <p:sp>
-        <p:nvSpPr>
-          <p:cNvPr id="144" name="Google Shape;144;p22"/>
-          <p:cNvSpPr txBox="1"/>
-          <p:nvPr/>
-        </p:nvSpPr>
-        <p:spPr>
-          <a:xfrm>
-            <a:off x="3977450" y="1050150"/>
-            <a:ext cx="1862700" cy="400200"/>
-          </a:xfrm>
-          <a:prstGeom prst="rect">
-            <a:avLst/>
-          </a:prstGeom>
-          <a:noFill/>
-          <a:ln>
-            <a:noFill/>
-          </a:ln>
-        </p:spPr>
-        <p:txBody>
-          <a:bodyPr spcFirstLastPara="1" wrap="square" lIns="91425" tIns="91425" rIns="91425" bIns="91425" anchor="t" anchorCtr="0">
-            <a:spAutoFit/>
-          </a:bodyPr>
-          <a:lstStyle/>
-          <a:p>
-            <a:pPr marL="0" lvl="0" indent="0" algn="ctr" rtl="0">
-              <a:spcBef>
-                <a:spcPts val="0"/>
-              </a:spcBef>
-              <a:spcAft>
-                <a:spcPts val="0"/>
-              </a:spcAft>
-              <a:buNone/>
-            </a:pPr>
-            <a:r>
-              <a:rPr lang="en-GB">
-                <a:latin typeface="Lato"/>
-                <a:ea typeface="Lato"/>
-                <a:cs typeface="Lato"/>
-                <a:sym typeface="Lato"/>
-              </a:rPr>
-              <a:t>Phase II</a:t>
-            </a:r>
-            <a:endParaRPr>
-              <a:latin typeface="Lato"/>
-              <a:ea typeface="Lato"/>
-              <a:cs typeface="Lato"/>
-              <a:sym typeface="Lato"/>
-            </a:endParaRPr>
-          </a:p>
-        </p:txBody>
-      </p:sp>
-      <p:sp>
-        <p:nvSpPr>
-          <p:cNvPr id="145" name="Google Shape;145;p22"/>
-          <p:cNvSpPr/>
-          <p:nvPr/>
-        </p:nvSpPr>
-        <p:spPr>
-          <a:xfrm>
-            <a:off x="6751400" y="1494750"/>
-            <a:ext cx="2261400" cy="2437500"/>
-          </a:xfrm>
-          <a:prstGeom prst="roundRect">
-            <a:avLst>
-              <a:gd name="adj" fmla="val 16667"/>
-            </a:avLst>
-          </a:prstGeom>
-          <a:solidFill>
-            <a:srgbClr val="B6D7A8"/>
-          </a:solidFill>
-          <a:ln w="9525" cap="flat" cmpd="sng">
-            <a:solidFill>
-              <a:schemeClr val="dk2"/>
-            </a:solidFill>
-            <a:prstDash val="solid"/>
-            <a:round/>
-            <a:headEnd type="none" w="sm" len="sm"/>
-            <a:tailEnd type="none" w="sm" len="sm"/>
-          </a:ln>
-        </p:spPr>
-        <p:txBody>
-          <a:bodyPr spcFirstLastPara="1" wrap="square" lIns="91425" tIns="91425" rIns="91425" bIns="91425" anchor="ctr" anchorCtr="0">
-            <a:noAutofit/>
-          </a:bodyPr>
-          <a:lstStyle/>
-          <a:p>
-            <a:pPr marL="0" lvl="0" indent="0" algn="l" rtl="0">
-              <a:spcBef>
-                <a:spcPts val="0"/>
-              </a:spcBef>
-              <a:spcAft>
-                <a:spcPts val="0"/>
-              </a:spcAft>
-              <a:buNone/>
-            </a:pPr>
-            <a:endParaRPr sz="1000"/>
-          </a:p>
-          <a:p>
-            <a:pPr marL="457200" lvl="0" indent="-292100" algn="l" rtl="0">
-              <a:spcBef>
-                <a:spcPts val="0"/>
-              </a:spcBef>
-              <a:spcAft>
-                <a:spcPts val="0"/>
-              </a:spcAft>
-              <a:buSzPts val="1000"/>
-              <a:buChar char="●"/>
-            </a:pPr>
-            <a:r>
-              <a:rPr lang="en-GB" sz="1000"/>
-              <a:t>Run Load Testing Scripts for </a:t>
-            </a:r>
-            <a:r>
-              <a:rPr lang="en-GB" sz="1000" b="1"/>
-              <a:t>1,00,000</a:t>
-            </a:r>
-            <a:r>
-              <a:rPr lang="en-GB" sz="1000"/>
-              <a:t>(?) Users</a:t>
-            </a:r>
-            <a:endParaRPr sz="1000"/>
-          </a:p>
-          <a:p>
-            <a:pPr marL="457200" lvl="0" indent="-292100" algn="l" rtl="0">
-              <a:spcBef>
-                <a:spcPts val="0"/>
-              </a:spcBef>
-              <a:spcAft>
-                <a:spcPts val="0"/>
-              </a:spcAft>
-              <a:buSzPts val="1000"/>
-              <a:buChar char="●"/>
-            </a:pPr>
-            <a:r>
-              <a:rPr lang="en-GB" sz="1000"/>
-              <a:t>Finetune the configurations , code to scale</a:t>
-            </a:r>
-            <a:endParaRPr sz="1000"/>
-          </a:p>
-          <a:p>
-            <a:pPr marL="457200" lvl="0" indent="-292100" algn="l" rtl="0">
-              <a:spcBef>
-                <a:spcPts val="0"/>
-              </a:spcBef>
-              <a:spcAft>
-                <a:spcPts val="0"/>
-              </a:spcAft>
-              <a:buSzPts val="1000"/>
-              <a:buChar char="●"/>
-            </a:pPr>
-            <a:r>
-              <a:rPr lang="en-GB" sz="1000"/>
-              <a:t>Publish the Metrics</a:t>
-            </a:r>
-            <a:endParaRPr sz="1000"/>
-          </a:p>
-        </p:txBody>
-      </p:sp>
-      <p:sp>
-        <p:nvSpPr>
-          <p:cNvPr id="146" name="Google Shape;146;p22"/>
-          <p:cNvSpPr txBox="1"/>
-          <p:nvPr/>
-        </p:nvSpPr>
-        <p:spPr>
-          <a:xfrm>
-            <a:off x="6912400" y="1027150"/>
-            <a:ext cx="1862700" cy="400200"/>
-          </a:xfrm>
-          <a:prstGeom prst="rect">
-            <a:avLst/>
-          </a:prstGeom>
-          <a:noFill/>
-          <a:ln>
-            <a:noFill/>
-          </a:ln>
-        </p:spPr>
-        <p:txBody>
-          <a:bodyPr spcFirstLastPara="1" wrap="square" lIns="91425" tIns="91425" rIns="91425" bIns="91425" anchor="t" anchorCtr="0">
-            <a:spAutoFit/>
-          </a:bodyPr>
-          <a:lstStyle/>
-          <a:p>
-            <a:pPr marL="0" lvl="0" indent="0" algn="ctr" rtl="0">
-              <a:spcBef>
-                <a:spcPts val="0"/>
-              </a:spcBef>
-              <a:spcAft>
-                <a:spcPts val="0"/>
-              </a:spcAft>
-              <a:buNone/>
-            </a:pPr>
-            <a:r>
-              <a:rPr lang="en-GB">
-                <a:latin typeface="Lato"/>
-                <a:ea typeface="Lato"/>
-                <a:cs typeface="Lato"/>
-                <a:sym typeface="Lato"/>
-              </a:rPr>
-              <a:t>Phase III</a:t>
-            </a:r>
-            <a:endParaRPr>
-              <a:latin typeface="Lato"/>
-              <a:ea typeface="Lato"/>
-              <a:cs typeface="Lato"/>
-              <a:sym typeface="Lato"/>
-            </a:endParaRPr>
           </a:p>
         </p:txBody>
       </p:sp>
@@ -9573,6 +9400,33 @@
               <a:buChar char="●"/>
             </a:pPr>
             <a:r>
+              <a:rPr lang="en-GB">
+                <a:sym typeface="+mn-ea"/>
+              </a:rPr>
+              <a:t>Performance Benchmarking </a:t>
+            </a:r>
+            <a:r>
+              <a:rPr lang="en-US" altLang="en-GB">
+                <a:sym typeface="+mn-ea"/>
+              </a:rPr>
+              <a:t>Phases</a:t>
+            </a:r>
+            <a:endParaRPr lang="en-US" b="1">
+              <a:sym typeface="+mn-ea"/>
+            </a:endParaRPr>
+          </a:p>
+          <a:p>
+            <a:pPr marL="457200" lvl="0" indent="-330200" algn="l" rtl="0">
+              <a:spcBef>
+                <a:spcPts val="0"/>
+              </a:spcBef>
+              <a:spcAft>
+                <a:spcPts val="0"/>
+              </a:spcAft>
+              <a:buSzPts val="1600"/>
+              <a:buChar char="●"/>
+            </a:pPr>
+            <a:r>
               <a:rPr lang="en-US" b="1">
                 <a:sym typeface="+mn-ea"/>
               </a:rPr>
@@ -10028,6 +9882,673 @@
   <p:cSld>
     <p:spTree>
       <p:nvGrpSpPr>
+        <p:cNvPr id="1" name="Shape 139"/>
+        <p:cNvGrpSpPr/>
+        <p:nvPr/>
+      </p:nvGrpSpPr>
+      <p:grpSpPr>
+        <a:xfrm>
+          <a:off x="0" y="0"/>
+          <a:ext cx="0" cy="0"/>
+          <a:chOff x="0" y="0"/>
+          <a:chExt cx="0" cy="0"/>
+        </a:xfrm>
+      </p:grpSpPr>
+      <p:sp>
+        <p:nvSpPr>
+          <p:cNvPr id="140" name="Google Shape;140;p22"/>
+          <p:cNvSpPr txBox="1">
+            <a:spLocks noGrp="1"/>
+          </p:cNvSpPr>
+          <p:nvPr>
+            <p:ph type="title"/>
+          </p:nvPr>
+        </p:nvSpPr>
+        <p:spPr>
+          <a:xfrm>
+            <a:off x="387900" y="380125"/>
+            <a:ext cx="8520600" cy="572700"/>
+          </a:xfrm>
+          <a:prstGeom prst="rect">
+            <a:avLst/>
+          </a:prstGeom>
+        </p:spPr>
+        <p:txBody>
+          <a:bodyPr spcFirstLastPara="1" wrap="square" lIns="91425" tIns="91425" rIns="91425" bIns="91425" anchor="t" anchorCtr="0">
+            <a:noAutofit/>
+          </a:bodyPr>
+          <a:lstStyle/>
+          <a:p>
+            <a:pPr marL="0" lvl="0" indent="0" algn="l" rtl="0">
+              <a:spcBef>
+                <a:spcPts val="0"/>
+              </a:spcBef>
+              <a:spcAft>
+                <a:spcPts val="0"/>
+              </a:spcAft>
+              <a:buNone/>
+            </a:pPr>
+            <a:r>
+              <a:rPr lang="en-GB"/>
+              <a:t>Performance Benchmarking </a:t>
+            </a:r>
+            <a:r>
+              <a:rPr lang="en-US" altLang="en-GB"/>
+              <a:t>Phases</a:t>
+            </a:r>
+            <a:endParaRPr lang="en-US" altLang="en-GB"/>
+          </a:p>
+        </p:txBody>
+      </p:sp>
+      <p:sp>
+        <p:nvSpPr>
+          <p:cNvPr id="141" name="Google Shape;141;p22"/>
+          <p:cNvSpPr/>
+          <p:nvPr/>
+        </p:nvSpPr>
+        <p:spPr>
+          <a:xfrm>
+            <a:off x="728345" y="1525270"/>
+            <a:ext cx="2261235" cy="2533650"/>
+          </a:xfrm>
+          <a:prstGeom prst="roundRect">
+            <a:avLst>
+              <a:gd name="adj" fmla="val 16667"/>
+            </a:avLst>
+          </a:prstGeom>
+          <a:solidFill>
+            <a:srgbClr val="B6D7A8"/>
+          </a:solidFill>
+          <a:ln w="9525" cap="flat" cmpd="sng">
+            <a:solidFill>
+              <a:schemeClr val="dk2"/>
+            </a:solidFill>
+            <a:prstDash val="solid"/>
+            <a:round/>
+            <a:headEnd type="none" w="sm" len="sm"/>
+            <a:tailEnd type="none" w="sm" len="sm"/>
+          </a:ln>
+        </p:spPr>
+        <p:txBody>
+          <a:bodyPr spcFirstLastPara="1" wrap="square" lIns="91425" tIns="91425" rIns="91425" bIns="91425" anchor="ctr" anchorCtr="0">
+            <a:noAutofit/>
+          </a:bodyPr>
+          <a:lstStyle/>
+          <a:p>
+            <a:pPr marL="457200" lvl="0" indent="-292100" algn="l" rtl="0">
+              <a:spcBef>
+                <a:spcPts val="0"/>
+              </a:spcBef>
+              <a:spcAft>
+                <a:spcPts val="0"/>
+              </a:spcAft>
+              <a:buSzPts val="1000"/>
+              <a:buChar char="●"/>
+            </a:pPr>
+            <a:r>
+              <a:rPr lang="en-GB" sz="1000"/>
+              <a:t>Profiling and fine tuning the code and configurations</a:t>
+            </a:r>
+            <a:endParaRPr sz="1000"/>
+          </a:p>
+          <a:p>
+            <a:pPr marL="457200" lvl="0" indent="-292100" algn="l" rtl="0">
+              <a:spcBef>
+                <a:spcPts val="0"/>
+              </a:spcBef>
+              <a:spcAft>
+                <a:spcPts val="0"/>
+              </a:spcAft>
+              <a:buSzPts val="1000"/>
+              <a:buChar char="●"/>
+            </a:pPr>
+            <a:r>
+              <a:rPr lang="en-US" sz="1000"/>
+              <a:t>Scripts to generate data</a:t>
+            </a:r>
+            <a:endParaRPr lang="en-US" sz="1000"/>
+          </a:p>
+          <a:p>
+            <a:pPr marL="457200" lvl="0" indent="-292100" algn="l" rtl="0">
+              <a:spcBef>
+                <a:spcPts val="0"/>
+              </a:spcBef>
+              <a:spcAft>
+                <a:spcPts val="0"/>
+              </a:spcAft>
+              <a:buSzPts val="1000"/>
+              <a:buChar char="●"/>
+            </a:pPr>
+            <a:r>
+              <a:rPr lang="en-GB" sz="1000"/>
+              <a:t>Setup Load Testing Tool </a:t>
+            </a:r>
+            <a:r>
+              <a:rPr lang="en-US" altLang="en-GB" sz="1000"/>
+              <a:t>(JMeter) </a:t>
+            </a:r>
+            <a:r>
+              <a:rPr lang="en-GB" sz="1000"/>
+              <a:t>with scripting</a:t>
+            </a:r>
+            <a:endParaRPr sz="1000"/>
+          </a:p>
+          <a:p>
+            <a:pPr marL="457200" lvl="0" indent="-292100" algn="l" rtl="0">
+              <a:spcBef>
+                <a:spcPts val="0"/>
+              </a:spcBef>
+              <a:spcAft>
+                <a:spcPts val="0"/>
+              </a:spcAft>
+              <a:buSzPts val="1000"/>
+              <a:buChar char="●"/>
+            </a:pPr>
+            <a:r>
+              <a:rPr lang="en-GB" sz="1000"/>
+              <a:t>Setup monitoring tools</a:t>
+            </a:r>
+            <a:r>
+              <a:rPr lang="en-US" altLang="en-GB" sz="1000"/>
+              <a:t>/Configurations</a:t>
+            </a:r>
+            <a:endParaRPr sz="1000"/>
+          </a:p>
+          <a:p>
+            <a:pPr marL="457200" lvl="0" indent="-292100" algn="l" rtl="0">
+              <a:spcBef>
+                <a:spcPts val="0"/>
+              </a:spcBef>
+              <a:spcAft>
+                <a:spcPts val="0"/>
+              </a:spcAft>
+              <a:buSzPts val="1000"/>
+              <a:buChar char="●"/>
+            </a:pPr>
+            <a:r>
+              <a:rPr lang="en-GB" sz="1000"/>
+              <a:t>Load test with minimal users say </a:t>
+            </a:r>
+            <a:r>
+              <a:rPr lang="en-GB" sz="1000" b="1"/>
+              <a:t>100 </a:t>
+            </a:r>
+            <a:r>
+              <a:rPr lang="en-US" altLang="en-GB" sz="1000" b="1"/>
+              <a:t>users</a:t>
+            </a:r>
+            <a:r>
+              <a:rPr lang="en-GB" sz="1000"/>
+              <a:t> on Dev as dry run.</a:t>
+            </a:r>
+            <a:endParaRPr sz="1000"/>
+          </a:p>
+          <a:p>
+            <a:pPr marL="457200" lvl="0" indent="-292100" algn="l" rtl="0">
+              <a:spcBef>
+                <a:spcPts val="0"/>
+              </a:spcBef>
+              <a:spcAft>
+                <a:spcPts val="0"/>
+              </a:spcAft>
+              <a:buSzPts val="1000"/>
+              <a:buChar char="●"/>
+            </a:pPr>
+            <a:r>
+              <a:rPr lang="en-GB" sz="1000"/>
+              <a:t>Identify bottlenecks and finetune the code and configuration</a:t>
+            </a:r>
+            <a:endParaRPr sz="1000"/>
+          </a:p>
+          <a:p>
+            <a:pPr marL="457200" lvl="0" indent="-292100" algn="l" rtl="0">
+              <a:spcBef>
+                <a:spcPts val="0"/>
+              </a:spcBef>
+              <a:spcAft>
+                <a:spcPts val="0"/>
+              </a:spcAft>
+              <a:buSzPts val="1000"/>
+              <a:buChar char="●"/>
+            </a:pPr>
+            <a:r>
+              <a:rPr lang="en-GB" sz="1000"/>
+              <a:t>Publish the Metrics </a:t>
+            </a:r>
+            <a:r>
+              <a:rPr lang="en-US" altLang="en-GB" sz="1000"/>
+              <a:t>in multiple iterations</a:t>
+            </a:r>
+            <a:endParaRPr lang="en-US" altLang="en-GB" sz="1000"/>
+          </a:p>
+        </p:txBody>
+      </p:sp>
+      <p:sp>
+        <p:nvSpPr>
+          <p:cNvPr id="142" name="Google Shape;142;p22"/>
+          <p:cNvSpPr txBox="1"/>
+          <p:nvPr/>
+        </p:nvSpPr>
+        <p:spPr>
+          <a:xfrm>
+            <a:off x="889200" y="1057825"/>
+            <a:ext cx="1862700" cy="400200"/>
+          </a:xfrm>
+          <a:prstGeom prst="rect">
+            <a:avLst/>
+          </a:prstGeom>
+          <a:noFill/>
+          <a:ln>
+            <a:noFill/>
+          </a:ln>
+        </p:spPr>
+        <p:txBody>
+          <a:bodyPr spcFirstLastPara="1" wrap="square" lIns="91425" tIns="91425" rIns="91425" bIns="91425" anchor="t" anchorCtr="0">
+            <a:spAutoFit/>
+          </a:bodyPr>
+          <a:lstStyle/>
+          <a:p>
+            <a:pPr marL="0" lvl="0" indent="0" algn="ctr" rtl="0">
+              <a:spcBef>
+                <a:spcPts val="0"/>
+              </a:spcBef>
+              <a:spcAft>
+                <a:spcPts val="0"/>
+              </a:spcAft>
+              <a:buNone/>
+            </a:pPr>
+            <a:r>
+              <a:rPr lang="en-GB">
+                <a:latin typeface="Lato"/>
+                <a:ea typeface="Lato"/>
+                <a:cs typeface="Lato"/>
+                <a:sym typeface="Lato"/>
+              </a:rPr>
+              <a:t>Phase I</a:t>
+            </a:r>
+            <a:endParaRPr>
+              <a:latin typeface="Lato"/>
+              <a:ea typeface="Lato"/>
+              <a:cs typeface="Lato"/>
+              <a:sym typeface="Lato"/>
+            </a:endParaRPr>
+          </a:p>
+        </p:txBody>
+      </p:sp>
+      <p:sp>
+        <p:nvSpPr>
+          <p:cNvPr id="143" name="Google Shape;143;p22"/>
+          <p:cNvSpPr/>
+          <p:nvPr/>
+        </p:nvSpPr>
+        <p:spPr>
+          <a:xfrm>
+            <a:off x="3403600" y="1517650"/>
+            <a:ext cx="2261235" cy="2541270"/>
+          </a:xfrm>
+          <a:prstGeom prst="roundRect">
+            <a:avLst>
+              <a:gd name="adj" fmla="val 16667"/>
+            </a:avLst>
+          </a:prstGeom>
+          <a:solidFill>
+            <a:srgbClr val="B6D7A8"/>
+          </a:solidFill>
+          <a:ln w="9525" cap="flat" cmpd="sng">
+            <a:solidFill>
+              <a:schemeClr val="dk2"/>
+            </a:solidFill>
+            <a:prstDash val="solid"/>
+            <a:round/>
+            <a:headEnd type="none" w="sm" len="sm"/>
+            <a:tailEnd type="none" w="sm" len="sm"/>
+          </a:ln>
+        </p:spPr>
+        <p:txBody>
+          <a:bodyPr spcFirstLastPara="1" wrap="square" lIns="91425" tIns="91425" rIns="91425" bIns="91425" anchor="ctr" anchorCtr="0">
+            <a:noAutofit/>
+          </a:bodyPr>
+          <a:lstStyle/>
+          <a:p>
+            <a:pPr marL="457200" lvl="0" indent="-292100" algn="l" rtl="0">
+              <a:spcBef>
+                <a:spcPts val="0"/>
+              </a:spcBef>
+              <a:spcAft>
+                <a:spcPts val="0"/>
+              </a:spcAft>
+              <a:buSzPts val="1000"/>
+              <a:buChar char="●"/>
+            </a:pPr>
+            <a:r>
+              <a:rPr lang="en-GB" sz="1000"/>
+              <a:t>Setup Cloud Environment</a:t>
+            </a:r>
+            <a:endParaRPr sz="1000"/>
+          </a:p>
+          <a:p>
+            <a:pPr marL="457200" lvl="0" indent="-292100" algn="l" rtl="0">
+              <a:spcBef>
+                <a:spcPts val="0"/>
+              </a:spcBef>
+              <a:spcAft>
+                <a:spcPts val="0"/>
+              </a:spcAft>
+              <a:buSzPts val="1000"/>
+              <a:buChar char="●"/>
+            </a:pPr>
+            <a:r>
+              <a:rPr lang="en-GB" sz="1000"/>
+              <a:t>Run Load Testing </a:t>
+            </a:r>
+            <a:r>
+              <a:rPr lang="en-US" altLang="en-GB" sz="1000">
+                <a:sym typeface="+mn-ea"/>
+              </a:rPr>
+              <a:t>(JMeter) </a:t>
+            </a:r>
+            <a:r>
+              <a:rPr lang="en-GB" sz="1000"/>
+              <a:t>Scripts for </a:t>
+            </a:r>
+            <a:r>
+              <a:rPr lang="en-GB" sz="1000" b="1"/>
+              <a:t>10,000 </a:t>
+            </a:r>
+            <a:r>
+              <a:rPr lang="en-GB" sz="1000"/>
+              <a:t>Users</a:t>
+            </a:r>
+            <a:endParaRPr sz="1000"/>
+          </a:p>
+          <a:p>
+            <a:pPr marL="457200" lvl="0" indent="-292100" algn="l" rtl="0">
+              <a:spcBef>
+                <a:spcPts val="0"/>
+              </a:spcBef>
+              <a:spcAft>
+                <a:spcPts val="0"/>
+              </a:spcAft>
+              <a:buSzPts val="1000"/>
+              <a:buChar char="●"/>
+            </a:pPr>
+            <a:r>
+              <a:rPr lang="en-GB" sz="1000"/>
+              <a:t>Finetune the configurations , code to scale</a:t>
+            </a:r>
+            <a:endParaRPr sz="1000"/>
+          </a:p>
+          <a:p>
+            <a:pPr marL="457200" lvl="0" indent="-292100" algn="l" rtl="0">
+              <a:spcBef>
+                <a:spcPts val="0"/>
+              </a:spcBef>
+              <a:spcAft>
+                <a:spcPts val="0"/>
+              </a:spcAft>
+              <a:buSzPts val="1000"/>
+              <a:buChar char="●"/>
+            </a:pPr>
+            <a:r>
+              <a:rPr lang="en-GB" sz="1000"/>
+              <a:t>Publish the Metrics </a:t>
+            </a:r>
+            <a:r>
+              <a:rPr lang="en-US" altLang="en-GB" sz="1000">
+                <a:sym typeface="+mn-ea"/>
+              </a:rPr>
+              <a:t>in multiple iterations</a:t>
+            </a:r>
+            <a:endParaRPr sz="1000"/>
+          </a:p>
+        </p:txBody>
+      </p:sp>
+      <p:sp>
+        <p:nvSpPr>
+          <p:cNvPr id="144" name="Google Shape;144;p22"/>
+          <p:cNvSpPr txBox="1"/>
+          <p:nvPr/>
+        </p:nvSpPr>
+        <p:spPr>
+          <a:xfrm>
+            <a:off x="3564700" y="1043800"/>
+            <a:ext cx="1862700" cy="400200"/>
+          </a:xfrm>
+          <a:prstGeom prst="rect">
+            <a:avLst/>
+          </a:prstGeom>
+          <a:noFill/>
+          <a:ln>
+            <a:noFill/>
+          </a:ln>
+        </p:spPr>
+        <p:txBody>
+          <a:bodyPr spcFirstLastPara="1" wrap="square" lIns="91425" tIns="91425" rIns="91425" bIns="91425" anchor="t" anchorCtr="0">
+            <a:spAutoFit/>
+          </a:bodyPr>
+          <a:lstStyle/>
+          <a:p>
+            <a:pPr marL="0" lvl="0" indent="0" algn="ctr" rtl="0">
+              <a:spcBef>
+                <a:spcPts val="0"/>
+              </a:spcBef>
+              <a:spcAft>
+                <a:spcPts val="0"/>
+              </a:spcAft>
+              <a:buNone/>
+            </a:pPr>
+            <a:r>
+              <a:rPr lang="en-GB">
+                <a:latin typeface="Lato"/>
+                <a:ea typeface="Lato"/>
+                <a:cs typeface="Lato"/>
+                <a:sym typeface="Lato"/>
+              </a:rPr>
+              <a:t>Phase II</a:t>
+            </a:r>
+            <a:endParaRPr>
+              <a:latin typeface="Lato"/>
+              <a:ea typeface="Lato"/>
+              <a:cs typeface="Lato"/>
+              <a:sym typeface="Lato"/>
+            </a:endParaRPr>
+          </a:p>
+        </p:txBody>
+      </p:sp>
+      <p:sp>
+        <p:nvSpPr>
+          <p:cNvPr id="145" name="Google Shape;145;p22"/>
+          <p:cNvSpPr/>
+          <p:nvPr/>
+        </p:nvSpPr>
+        <p:spPr>
+          <a:xfrm>
+            <a:off x="6243320" y="1469390"/>
+            <a:ext cx="2261235" cy="2564130"/>
+          </a:xfrm>
+          <a:prstGeom prst="roundRect">
+            <a:avLst>
+              <a:gd name="adj" fmla="val 16667"/>
+            </a:avLst>
+          </a:prstGeom>
+          <a:solidFill>
+            <a:srgbClr val="B6D7A8"/>
+          </a:solidFill>
+          <a:ln w="9525" cap="flat" cmpd="sng">
+            <a:solidFill>
+              <a:schemeClr val="dk2"/>
+            </a:solidFill>
+            <a:prstDash val="solid"/>
+            <a:round/>
+            <a:headEnd type="none" w="sm" len="sm"/>
+            <a:tailEnd type="none" w="sm" len="sm"/>
+          </a:ln>
+        </p:spPr>
+        <p:txBody>
+          <a:bodyPr spcFirstLastPara="1" wrap="square" lIns="91425" tIns="91425" rIns="91425" bIns="91425" anchor="ctr" anchorCtr="0">
+            <a:noAutofit/>
+          </a:bodyPr>
+          <a:lstStyle/>
+          <a:p>
+            <a:pPr marL="0" lvl="0" indent="0" algn="l" rtl="0">
+              <a:spcBef>
+                <a:spcPts val="0"/>
+              </a:spcBef>
+              <a:spcAft>
+                <a:spcPts val="0"/>
+              </a:spcAft>
+              <a:buNone/>
+            </a:pPr>
+            <a:endParaRPr sz="1000"/>
+          </a:p>
+          <a:p>
+            <a:pPr marL="457200" lvl="0" indent="-292100" algn="l" rtl="0">
+              <a:spcBef>
+                <a:spcPts val="0"/>
+              </a:spcBef>
+              <a:spcAft>
+                <a:spcPts val="0"/>
+              </a:spcAft>
+              <a:buSzPts val="1000"/>
+              <a:buChar char="●"/>
+            </a:pPr>
+            <a:r>
+              <a:rPr lang="en-GB" sz="1000"/>
+              <a:t>Run Load Testing Scripts</a:t>
+            </a:r>
+            <a:r>
+              <a:rPr lang="en-US" altLang="en-GB" sz="1000">
+                <a:sym typeface="+mn-ea"/>
+              </a:rPr>
+              <a:t>(JMeter) </a:t>
+            </a:r>
+            <a:r>
+              <a:rPr lang="en-GB" sz="1000"/>
+              <a:t> </a:t>
+            </a:r>
+            <a:r>
+              <a:rPr lang="en-US" altLang="en-GB" sz="1000"/>
+              <a:t>with </a:t>
+            </a:r>
+            <a:r>
+              <a:rPr lang="en-US" altLang="en-GB" sz="1000" b="1"/>
+              <a:t>U.P </a:t>
+            </a:r>
+            <a:r>
+              <a:rPr lang="en-US" altLang="en-GB" sz="1000"/>
+              <a:t>scale</a:t>
+            </a:r>
+            <a:r>
+              <a:rPr lang="en-GB" sz="1000"/>
+              <a:t> </a:t>
+            </a:r>
+            <a:r>
+              <a:rPr lang="en-US" altLang="en-GB" sz="1000"/>
+              <a:t>data</a:t>
+            </a:r>
+            <a:endParaRPr sz="1000"/>
+          </a:p>
+          <a:p>
+            <a:pPr marL="457200" lvl="0" indent="-292100" algn="l" rtl="0">
+              <a:spcBef>
+                <a:spcPts val="0"/>
+              </a:spcBef>
+              <a:spcAft>
+                <a:spcPts val="0"/>
+              </a:spcAft>
+              <a:buSzPts val="1000"/>
+              <a:buChar char="●"/>
+            </a:pPr>
+            <a:r>
+              <a:rPr lang="en-GB" sz="1000"/>
+              <a:t>Finetune the configurations , code to scale</a:t>
+            </a:r>
+            <a:endParaRPr sz="1000"/>
+          </a:p>
+          <a:p>
+            <a:pPr marL="457200" lvl="0" indent="-292100" algn="l" rtl="0">
+              <a:spcBef>
+                <a:spcPts val="0"/>
+              </a:spcBef>
+              <a:spcAft>
+                <a:spcPts val="0"/>
+              </a:spcAft>
+              <a:buSzPts val="1000"/>
+              <a:buChar char="●"/>
+            </a:pPr>
+            <a:r>
+              <a:rPr lang="en-GB" sz="1000"/>
+              <a:t>Publish the Metrics</a:t>
+            </a:r>
+            <a:endParaRPr sz="1000"/>
+          </a:p>
+        </p:txBody>
+      </p:sp>
+      <p:sp>
+        <p:nvSpPr>
+          <p:cNvPr id="146" name="Google Shape;146;p22"/>
+          <p:cNvSpPr txBox="1"/>
+          <p:nvPr/>
+        </p:nvSpPr>
+        <p:spPr>
+          <a:xfrm>
+            <a:off x="6404400" y="1001750"/>
+            <a:ext cx="1862700" cy="400200"/>
+          </a:xfrm>
+          <a:prstGeom prst="rect">
+            <a:avLst/>
+          </a:prstGeom>
+          <a:noFill/>
+          <a:ln>
+            <a:noFill/>
+          </a:ln>
+        </p:spPr>
+        <p:txBody>
+          <a:bodyPr spcFirstLastPara="1" wrap="square" lIns="91425" tIns="91425" rIns="91425" bIns="91425" anchor="t" anchorCtr="0">
+            <a:spAutoFit/>
+          </a:bodyPr>
+          <a:lstStyle/>
+          <a:p>
+            <a:pPr marL="0" lvl="0" indent="0" algn="ctr" rtl="0">
+              <a:spcBef>
+                <a:spcPts val="0"/>
+              </a:spcBef>
+              <a:spcAft>
+                <a:spcPts val="0"/>
+              </a:spcAft>
+              <a:buNone/>
+            </a:pPr>
+            <a:r>
+              <a:rPr lang="en-GB">
+                <a:latin typeface="Lato"/>
+                <a:ea typeface="Lato"/>
+                <a:cs typeface="Lato"/>
+                <a:sym typeface="Lato"/>
+              </a:rPr>
+              <a:t>Phase III</a:t>
+            </a:r>
+            <a:endParaRPr>
+              <a:latin typeface="Lato"/>
+              <a:ea typeface="Lato"/>
+              <a:cs typeface="Lato"/>
+              <a:sym typeface="Lato"/>
+            </a:endParaRPr>
+          </a:p>
+        </p:txBody>
+      </p:sp>
+    </p:spTree>
+  </p:cSld>
+  <p:clrMapOvr>
+    <a:masterClrMapping/>
+  </p:clrMapOvr>
+</p:sld>
+</file>
+
+<file path=ppt/slides/slide5.xml><?xml version="1.0" encoding="utf-8"?>
+<p:sld xmlns:a="http://schemas.openxmlformats.org/drawingml/2006/main" xmlns:r="http://schemas.openxmlformats.org/officeDocument/2006/relationships" xmlns:p="http://schemas.openxmlformats.org/presentationml/2006/main">
+  <p:cSld>
+    <p:spTree>
+      <p:nvGrpSpPr>
         <p:cNvPr id="1" name=""/>
         <p:cNvGrpSpPr/>
         <p:nvPr/>
@@ -10108,7 +10629,7 @@
 </p:sld>
 </file>
 
-<file path=ppt/slides/slide5.xml><?xml version="1.0" encoding="utf-8"?>
+<file path=ppt/slides/slide6.xml><?xml version="1.0" encoding="utf-8"?>
 <p:sld xmlns:a="http://schemas.openxmlformats.org/drawingml/2006/main" xmlns:r="http://schemas.openxmlformats.org/officeDocument/2006/relationships" xmlns:p="http://schemas.openxmlformats.org/presentationml/2006/main">
   <p:cSld>
     <p:spTree>
@@ -10200,7 +10721,7 @@
 </p:sld>
 </file>
 
-<file path=ppt/slides/slide6.xml><?xml version="1.0" encoding="utf-8"?>
+<file path=ppt/slides/slide7.xml><?xml version="1.0" encoding="utf-8"?>
 <p:sld xmlns:a="http://schemas.openxmlformats.org/drawingml/2006/main" xmlns:r="http://schemas.openxmlformats.org/officeDocument/2006/relationships" xmlns:p="http://schemas.openxmlformats.org/presentationml/2006/main">
   <p:cSld>
     <p:spTree>
@@ -11165,7 +11686,7 @@
 </p:sld>
 </file>
 
-<file path=ppt/slides/slide7.xml><?xml version="1.0" encoding="utf-8"?>
+<file path=ppt/slides/slide8.xml><?xml version="1.0" encoding="utf-8"?>
 <p:sld xmlns:a="http://schemas.openxmlformats.org/drawingml/2006/main" xmlns:r="http://schemas.openxmlformats.org/officeDocument/2006/relationships" xmlns:p="http://schemas.openxmlformats.org/presentationml/2006/main">
   <p:cSld>
     <p:spTree>
@@ -11341,7 +11862,7 @@
 </p:sld>
 </file>
 
-<file path=ppt/slides/slide8.xml><?xml version="1.0" encoding="utf-8"?>
+<file path=ppt/slides/slide9.xml><?xml version="1.0" encoding="utf-8"?>
 <p:sld xmlns:a="http://schemas.openxmlformats.org/drawingml/2006/main" xmlns:r="http://schemas.openxmlformats.org/officeDocument/2006/relationships" xmlns:p="http://schemas.openxmlformats.org/presentationml/2006/main">
   <p:cSld>
     <p:spTree>
@@ -11499,438 +12020,6 @@
           <a:xfrm>
             <a:off x="1832000" y="815225"/>
             <a:ext cx="4010475" cy="4328274"/>
-          </a:xfrm>
-          <a:prstGeom prst="rect">
-            <a:avLst/>
-          </a:prstGeom>
-          <a:noFill/>
-          <a:ln>
-            <a:noFill/>
-          </a:ln>
-        </p:spPr>
-      </p:pic>
-    </p:spTree>
-  </p:cSld>
-  <p:clrMapOvr>
-    <a:masterClrMapping/>
-  </p:clrMapOvr>
-</p:sld>
-</file>
-
-<file path=ppt/slides/slide9.xml><?xml version="1.0" encoding="utf-8"?>
-<p:sld xmlns:a="http://schemas.openxmlformats.org/drawingml/2006/main" xmlns:r="http://schemas.openxmlformats.org/officeDocument/2006/relationships" xmlns:p="http://schemas.openxmlformats.org/presentationml/2006/main">
-  <p:cSld>
-    <p:spTree>
-      <p:nvGrpSpPr>
-        <p:cNvPr id="1" name="Shape 115"/>
-        <p:cNvGrpSpPr/>
-        <p:nvPr/>
-      </p:nvGrpSpPr>
-      <p:grpSpPr>
-        <a:xfrm>
-          <a:off x="0" y="0"/>
-          <a:ext cx="0" cy="0"/>
-          <a:chOff x="0" y="0"/>
-          <a:chExt cx="0" cy="0"/>
-        </a:xfrm>
-      </p:grpSpPr>
-      <p:sp>
-        <p:nvSpPr>
-          <p:cNvPr id="116" name="Google Shape;116;p20"/>
-          <p:cNvSpPr txBox="1">
-            <a:spLocks noGrp="1"/>
-          </p:cNvSpPr>
-          <p:nvPr>
-            <p:ph type="title"/>
-          </p:nvPr>
-        </p:nvSpPr>
-        <p:spPr>
-          <a:xfrm>
-            <a:off x="387900" y="380125"/>
-            <a:ext cx="8520600" cy="572700"/>
-          </a:xfrm>
-          <a:prstGeom prst="rect">
-            <a:avLst/>
-          </a:prstGeom>
-        </p:spPr>
-        <p:txBody>
-          <a:bodyPr spcFirstLastPara="1" wrap="square" lIns="91425" tIns="91425" rIns="91425" bIns="91425" anchor="t" anchorCtr="0">
-            <a:noAutofit/>
-          </a:bodyPr>
-          <a:lstStyle/>
-          <a:p>
-            <a:pPr marL="0" lvl="0" indent="0" algn="l" rtl="0">
-              <a:spcBef>
-                <a:spcPts val="0"/>
-              </a:spcBef>
-              <a:spcAft>
-                <a:spcPts val="0"/>
-              </a:spcAft>
-              <a:buNone/>
-            </a:pPr>
-            <a:r>
-              <a:rPr lang="en-GB"/>
-              <a:t>Tech Stack</a:t>
-            </a:r>
-            <a:endParaRPr lang="en-GB"/>
-          </a:p>
-        </p:txBody>
-      </p:sp>
-      <p:pic>
-        <p:nvPicPr>
-          <p:cNvPr id="117" name="Google Shape;117;p20"/>
-          <p:cNvPicPr preferRelativeResize="0"/>
-          <p:nvPr/>
-        </p:nvPicPr>
-        <p:blipFill>
-          <a:blip r:embed="rId1"/>
-          <a:stretch>
-            <a:fillRect/>
-          </a:stretch>
-        </p:blipFill>
-        <p:spPr>
-          <a:xfrm>
-            <a:off x="521150" y="1318938"/>
-            <a:ext cx="1110100" cy="864025"/>
-          </a:xfrm>
-          <a:prstGeom prst="rect">
-            <a:avLst/>
-          </a:prstGeom>
-          <a:noFill/>
-          <a:ln>
-            <a:noFill/>
-          </a:ln>
-        </p:spPr>
-      </p:pic>
-      <p:pic>
-        <p:nvPicPr>
-          <p:cNvPr id="118" name="Google Shape;118;p20"/>
-          <p:cNvPicPr preferRelativeResize="0"/>
-          <p:nvPr/>
-        </p:nvPicPr>
-        <p:blipFill>
-          <a:blip r:embed="rId2"/>
-          <a:stretch>
-            <a:fillRect/>
-          </a:stretch>
-        </p:blipFill>
-        <p:spPr>
-          <a:xfrm>
-            <a:off x="1852650" y="1356350"/>
-            <a:ext cx="1167525" cy="752550"/>
-          </a:xfrm>
-          <a:prstGeom prst="rect">
-            <a:avLst/>
-          </a:prstGeom>
-          <a:noFill/>
-          <a:ln>
-            <a:noFill/>
-          </a:ln>
-        </p:spPr>
-      </p:pic>
-      <p:pic>
-        <p:nvPicPr>
-          <p:cNvPr id="119" name="Google Shape;119;p20"/>
-          <p:cNvPicPr preferRelativeResize="0"/>
-          <p:nvPr/>
-        </p:nvPicPr>
-        <p:blipFill>
-          <a:blip r:embed="rId3"/>
-          <a:stretch>
-            <a:fillRect/>
-          </a:stretch>
-        </p:blipFill>
-        <p:spPr>
-          <a:xfrm>
-            <a:off x="3172575" y="1392500"/>
-            <a:ext cx="989750" cy="683025"/>
-          </a:xfrm>
-          <a:prstGeom prst="rect">
-            <a:avLst/>
-          </a:prstGeom>
-          <a:noFill/>
-          <a:ln>
-            <a:noFill/>
-          </a:ln>
-        </p:spPr>
-      </p:pic>
-      <p:pic>
-        <p:nvPicPr>
-          <p:cNvPr id="120" name="Google Shape;120;p20"/>
-          <p:cNvPicPr preferRelativeResize="0"/>
-          <p:nvPr/>
-        </p:nvPicPr>
-        <p:blipFill>
-          <a:blip r:embed="rId4"/>
-          <a:stretch>
-            <a:fillRect/>
-          </a:stretch>
-        </p:blipFill>
-        <p:spPr>
-          <a:xfrm>
-            <a:off x="4452725" y="1392500"/>
-            <a:ext cx="882400" cy="683025"/>
-          </a:xfrm>
-          <a:prstGeom prst="rect">
-            <a:avLst/>
-          </a:prstGeom>
-          <a:noFill/>
-          <a:ln>
-            <a:noFill/>
-          </a:ln>
-        </p:spPr>
-      </p:pic>
-      <p:pic>
-        <p:nvPicPr>
-          <p:cNvPr id="121" name="Google Shape;121;p20"/>
-          <p:cNvPicPr preferRelativeResize="0"/>
-          <p:nvPr/>
-        </p:nvPicPr>
-        <p:blipFill rotWithShape="1">
-          <a:blip r:embed="rId5"/>
-          <a:srcRect t="27643" b="25374"/>
-          <a:stretch>
-            <a:fillRect/>
-          </a:stretch>
-        </p:blipFill>
-        <p:spPr>
-          <a:xfrm>
-            <a:off x="654175" y="3919600"/>
-            <a:ext cx="844026" cy="439250"/>
-          </a:xfrm>
-          <a:prstGeom prst="rect">
-            <a:avLst/>
-          </a:prstGeom>
-          <a:noFill/>
-          <a:ln>
-            <a:noFill/>
-          </a:ln>
-        </p:spPr>
-      </p:pic>
-      <p:pic>
-        <p:nvPicPr>
-          <p:cNvPr id="122" name="Google Shape;122;p20"/>
-          <p:cNvPicPr preferRelativeResize="0"/>
-          <p:nvPr/>
-        </p:nvPicPr>
-        <p:blipFill>
-          <a:blip r:embed="rId6"/>
-          <a:stretch>
-            <a:fillRect/>
-          </a:stretch>
-        </p:blipFill>
-        <p:spPr>
-          <a:xfrm>
-            <a:off x="1852650" y="3745750"/>
-            <a:ext cx="1110100" cy="683025"/>
-          </a:xfrm>
-          <a:prstGeom prst="rect">
-            <a:avLst/>
-          </a:prstGeom>
-          <a:noFill/>
-          <a:ln>
-            <a:noFill/>
-          </a:ln>
-        </p:spPr>
-      </p:pic>
-      <p:pic>
-        <p:nvPicPr>
-          <p:cNvPr id="123" name="Google Shape;123;p20"/>
-          <p:cNvPicPr preferRelativeResize="0"/>
-          <p:nvPr/>
-        </p:nvPicPr>
-        <p:blipFill>
-          <a:blip r:embed="rId7"/>
-          <a:stretch>
-            <a:fillRect/>
-          </a:stretch>
-        </p:blipFill>
-        <p:spPr>
-          <a:xfrm>
-            <a:off x="3371875" y="3729125"/>
-            <a:ext cx="989750" cy="752550"/>
-          </a:xfrm>
-          <a:prstGeom prst="rect">
-            <a:avLst/>
-          </a:prstGeom>
-          <a:noFill/>
-          <a:ln>
-            <a:noFill/>
-          </a:ln>
-        </p:spPr>
-      </p:pic>
-      <p:pic>
-        <p:nvPicPr>
-          <p:cNvPr id="124" name="Google Shape;124;p20"/>
-          <p:cNvPicPr preferRelativeResize="0"/>
-          <p:nvPr/>
-        </p:nvPicPr>
-        <p:blipFill>
-          <a:blip r:embed="rId8"/>
-          <a:stretch>
-            <a:fillRect/>
-          </a:stretch>
-        </p:blipFill>
-        <p:spPr>
-          <a:xfrm>
-            <a:off x="5625525" y="1392500"/>
-            <a:ext cx="1242700" cy="752550"/>
-          </a:xfrm>
-          <a:prstGeom prst="rect">
-            <a:avLst/>
-          </a:prstGeom>
-          <a:noFill/>
-          <a:ln>
-            <a:noFill/>
-          </a:ln>
-        </p:spPr>
-      </p:pic>
-      <p:pic>
-        <p:nvPicPr>
-          <p:cNvPr id="125" name="Google Shape;125;p20"/>
-          <p:cNvPicPr preferRelativeResize="0"/>
-          <p:nvPr/>
-        </p:nvPicPr>
-        <p:blipFill>
-          <a:blip r:embed="rId9"/>
-          <a:stretch>
-            <a:fillRect/>
-          </a:stretch>
-        </p:blipFill>
-        <p:spPr>
-          <a:xfrm>
-            <a:off x="7089625" y="1392500"/>
-            <a:ext cx="943750" cy="790450"/>
-          </a:xfrm>
-          <a:prstGeom prst="rect">
-            <a:avLst/>
-          </a:prstGeom>
-          <a:noFill/>
-          <a:ln>
-            <a:noFill/>
-          </a:ln>
-        </p:spPr>
-      </p:pic>
-      <p:pic>
-        <p:nvPicPr>
-          <p:cNvPr id="126" name="Google Shape;126;p20"/>
-          <p:cNvPicPr preferRelativeResize="0"/>
-          <p:nvPr/>
-        </p:nvPicPr>
-        <p:blipFill>
-          <a:blip r:embed="rId10"/>
-          <a:stretch>
-            <a:fillRect/>
-          </a:stretch>
-        </p:blipFill>
-        <p:spPr>
-          <a:xfrm>
-            <a:off x="521150" y="2419675"/>
-            <a:ext cx="1203575" cy="752550"/>
-          </a:xfrm>
-          <a:prstGeom prst="rect">
-            <a:avLst/>
-          </a:prstGeom>
-          <a:noFill/>
-          <a:ln>
-            <a:noFill/>
-          </a:ln>
-        </p:spPr>
-      </p:pic>
-      <p:pic>
-        <p:nvPicPr>
-          <p:cNvPr id="127" name="Google Shape;127;p20"/>
-          <p:cNvPicPr preferRelativeResize="0"/>
-          <p:nvPr/>
-        </p:nvPicPr>
-        <p:blipFill>
-          <a:blip r:embed="rId11"/>
-          <a:stretch>
-            <a:fillRect/>
-          </a:stretch>
-        </p:blipFill>
-        <p:spPr>
-          <a:xfrm>
-            <a:off x="1881363" y="2261300"/>
-            <a:ext cx="1110100" cy="979475"/>
-          </a:xfrm>
-          <a:prstGeom prst="rect">
-            <a:avLst/>
-          </a:prstGeom>
-          <a:noFill/>
-          <a:ln>
-            <a:noFill/>
-          </a:ln>
-        </p:spPr>
-      </p:pic>
-      <p:sp>
-        <p:nvSpPr>
-          <p:cNvPr id="128" name="Google Shape;128;p20"/>
-          <p:cNvSpPr txBox="1"/>
-          <p:nvPr/>
-        </p:nvSpPr>
-        <p:spPr>
-          <a:xfrm>
-            <a:off x="1850955" y="3080243"/>
-            <a:ext cx="1170900" cy="393600"/>
-          </a:xfrm>
-          <a:prstGeom prst="rect">
-            <a:avLst/>
-          </a:prstGeom>
-          <a:noFill/>
-          <a:ln>
-            <a:noFill/>
-          </a:ln>
-        </p:spPr>
-        <p:txBody>
-          <a:bodyPr spcFirstLastPara="1" wrap="square" lIns="91425" tIns="91425" rIns="91425" bIns="91425" anchor="ctr" anchorCtr="0">
-            <a:noAutofit/>
-          </a:bodyPr>
-          <a:lstStyle/>
-          <a:p>
-            <a:pPr marL="0" lvl="0" indent="0" algn="ctr" rtl="0">
-              <a:spcBef>
-                <a:spcPts val="0"/>
-              </a:spcBef>
-              <a:spcAft>
-                <a:spcPts val="0"/>
-              </a:spcAft>
-              <a:buNone/>
-            </a:pPr>
-            <a:r>
-              <a:rPr lang="en-GB" sz="800" b="1">
-                <a:latin typeface="Montserrat"/>
-                <a:ea typeface="Montserrat"/>
-                <a:cs typeface="Montserrat"/>
-                <a:sym typeface="Montserrat"/>
-              </a:rPr>
-              <a:t>ResNet</a:t>
-            </a:r>
-            <a:endParaRPr sz="800" b="1">
-              <a:latin typeface="Montserrat"/>
-              <a:ea typeface="Montserrat"/>
-              <a:cs typeface="Montserrat"/>
-              <a:sym typeface="Montserrat"/>
-            </a:endParaRPr>
-          </a:p>
-        </p:txBody>
-      </p:sp>
-      <p:pic>
-        <p:nvPicPr>
-          <p:cNvPr id="129" name="Google Shape;129;p20"/>
-          <p:cNvPicPr preferRelativeResize="0"/>
-          <p:nvPr/>
-        </p:nvPicPr>
-        <p:blipFill>
-          <a:blip r:embed="rId12"/>
-          <a:stretch>
-            <a:fillRect/>
-          </a:stretch>
-        </p:blipFill>
-        <p:spPr>
-          <a:xfrm>
-            <a:off x="3190875" y="2261300"/>
-            <a:ext cx="989750" cy="979475"/>
           </a:xfrm>
           <a:prstGeom prst="rect">
             <a:avLst/>
